--- a/slides.pptx
+++ b/slides.pptx
@@ -24,15 +24,15 @@
       <p:regular r:id="rId13"/>
     </p:embeddedFont>
     <p:embeddedFont>
-      <p:font typeface="Open Sans" charset="1" panose="00000000000000000000"/>
+      <p:font typeface="Bebas Neue Cyrillic" charset="1" panose="02000506000000020004"/>
       <p:regular r:id="rId14"/>
     </p:embeddedFont>
     <p:embeddedFont>
-      <p:font typeface="Bebas Neue Cyrillic" charset="1" panose="02000506000000020004"/>
+      <p:font typeface="Open Sans Bold" charset="1" panose="00000000000000000000"/>
       <p:regular r:id="rId15"/>
     </p:embeddedFont>
     <p:embeddedFont>
-      <p:font typeface="Open Sans Bold" charset="1" panose="00000000000000000000"/>
+      <p:font typeface="Open Sans" charset="1" panose="00000000000000000000"/>
       <p:regular r:id="rId16"/>
     </p:embeddedFont>
   </p:embeddedFontLst>
@@ -5157,204 +5157,15 @@
         </p:nvGrpSpPr>
         <p:grpSpPr>
           <a:xfrm rot="0">
-            <a:off x="14240674" y="0"/>
-            <a:ext cx="3018626" cy="1028700"/>
+            <a:off x="18159205" y="8355980"/>
+            <a:ext cx="128795" cy="902320"/>
             <a:chOff x="0" y="0"/>
-            <a:chExt cx="425492" cy="145001"/>
+            <a:chExt cx="101764" cy="712944"/>
           </a:xfrm>
         </p:grpSpPr>
         <p:sp>
           <p:nvSpPr>
             <p:cNvPr name="Freeform 3" id="3"/>
-            <p:cNvSpPr/>
-            <p:nvPr/>
-          </p:nvSpPr>
-          <p:spPr>
-            <a:xfrm flipH="false" flipV="false" rot="0">
-              <a:off x="0" y="0"/>
-              <a:ext cx="425492" cy="145001"/>
-            </a:xfrm>
-            <a:custGeom>
-              <a:avLst/>
-              <a:gdLst/>
-              <a:ahLst/>
-              <a:cxnLst/>
-              <a:rect r="r" b="b" t="t" l="l"/>
-              <a:pathLst>
-                <a:path h="145001" w="425492">
-                  <a:moveTo>
-                    <a:pt x="0" y="0"/>
-                  </a:moveTo>
-                  <a:lnTo>
-                    <a:pt x="425492" y="0"/>
-                  </a:lnTo>
-                  <a:lnTo>
-                    <a:pt x="425492" y="145001"/>
-                  </a:lnTo>
-                  <a:lnTo>
-                    <a:pt x="0" y="145001"/>
-                  </a:lnTo>
-                  <a:close/>
-                </a:path>
-              </a:pathLst>
-            </a:custGeom>
-            <a:gradFill rotWithShape="true">
-              <a:gsLst>
-                <a:gs pos="0">
-                  <a:srgbClr val="0CC2E6">
-                    <a:alpha val="100000"/>
-                  </a:srgbClr>
-                </a:gs>
-                <a:gs pos="50000">
-                  <a:srgbClr val="000854">
-                    <a:alpha val="100000"/>
-                  </a:srgbClr>
-                </a:gs>
-                <a:gs pos="100000">
-                  <a:srgbClr val="008BA4">
-                    <a:alpha val="100000"/>
-                  </a:srgbClr>
-                </a:gs>
-              </a:gsLst>
-              <a:lin ang="2700000"/>
-            </a:gradFill>
-          </p:spPr>
-        </p:sp>
-        <p:sp>
-          <p:nvSpPr>
-            <p:cNvPr name="TextBox 4" id="4"/>
-            <p:cNvSpPr txBox="true"/>
-            <p:nvPr/>
-          </p:nvSpPr>
-          <p:spPr>
-            <a:xfrm>
-              <a:off x="0" y="-38100"/>
-              <a:ext cx="425492" cy="183101"/>
-            </a:xfrm>
-            <a:prstGeom prst="rect">
-              <a:avLst/>
-            </a:prstGeom>
-          </p:spPr>
-          <p:txBody>
-            <a:bodyPr anchor="ctr" rtlCol="false" tIns="50800" lIns="50800" bIns="50800" rIns="50800"/>
-            <a:lstStyle/>
-            <a:p>
-              <a:pPr algn="ctr">
-                <a:lnSpc>
-                  <a:spcPts val="2659"/>
-                </a:lnSpc>
-                <a:spcBef>
-                  <a:spcPct val="0"/>
-                </a:spcBef>
-              </a:pPr>
-            </a:p>
-          </p:txBody>
-        </p:sp>
-      </p:grpSp>
-      <p:grpSp>
-        <p:nvGrpSpPr>
-          <p:cNvPr name="Group 5" id="5"/>
-          <p:cNvGrpSpPr/>
-          <p:nvPr/>
-        </p:nvGrpSpPr>
-        <p:grpSpPr>
-          <a:xfrm rot="0">
-            <a:off x="1028700" y="0"/>
-            <a:ext cx="12967636" cy="1028700"/>
-            <a:chOff x="0" y="0"/>
-            <a:chExt cx="1827860" cy="145001"/>
-          </a:xfrm>
-        </p:grpSpPr>
-        <p:sp>
-          <p:nvSpPr>
-            <p:cNvPr name="Freeform 6" id="6"/>
-            <p:cNvSpPr/>
-            <p:nvPr/>
-          </p:nvSpPr>
-          <p:spPr>
-            <a:xfrm flipH="false" flipV="false" rot="0">
-              <a:off x="0" y="0"/>
-              <a:ext cx="1827860" cy="145001"/>
-            </a:xfrm>
-            <a:custGeom>
-              <a:avLst/>
-              <a:gdLst/>
-              <a:ahLst/>
-              <a:cxnLst/>
-              <a:rect r="r" b="b" t="t" l="l"/>
-              <a:pathLst>
-                <a:path h="145001" w="1827860">
-                  <a:moveTo>
-                    <a:pt x="0" y="0"/>
-                  </a:moveTo>
-                  <a:lnTo>
-                    <a:pt x="1827860" y="0"/>
-                  </a:lnTo>
-                  <a:lnTo>
-                    <a:pt x="1827860" y="145001"/>
-                  </a:lnTo>
-                  <a:lnTo>
-                    <a:pt x="0" y="145001"/>
-                  </a:lnTo>
-                  <a:close/>
-                </a:path>
-              </a:pathLst>
-            </a:custGeom>
-            <a:solidFill>
-              <a:srgbClr val="FFFFFF">
-                <a:alpha val="8627"/>
-              </a:srgbClr>
-            </a:solidFill>
-          </p:spPr>
-        </p:sp>
-        <p:sp>
-          <p:nvSpPr>
-            <p:cNvPr name="TextBox 7" id="7"/>
-            <p:cNvSpPr txBox="true"/>
-            <p:nvPr/>
-          </p:nvSpPr>
-          <p:spPr>
-            <a:xfrm>
-              <a:off x="0" y="-38100"/>
-              <a:ext cx="1827860" cy="183101"/>
-            </a:xfrm>
-            <a:prstGeom prst="rect">
-              <a:avLst/>
-            </a:prstGeom>
-          </p:spPr>
-          <p:txBody>
-            <a:bodyPr anchor="ctr" rtlCol="false" tIns="50800" lIns="50800" bIns="50800" rIns="50800"/>
-            <a:lstStyle/>
-            <a:p>
-              <a:pPr algn="ctr">
-                <a:lnSpc>
-                  <a:spcPts val="2659"/>
-                </a:lnSpc>
-                <a:spcBef>
-                  <a:spcPct val="0"/>
-                </a:spcBef>
-              </a:pPr>
-            </a:p>
-          </p:txBody>
-        </p:sp>
-      </p:grpSp>
-      <p:grpSp>
-        <p:nvGrpSpPr>
-          <p:cNvPr name="Group 8" id="8"/>
-          <p:cNvGrpSpPr/>
-          <p:nvPr/>
-        </p:nvGrpSpPr>
-        <p:grpSpPr>
-          <a:xfrm rot="0">
-            <a:off x="18159205" y="8355980"/>
-            <a:ext cx="128795" cy="902320"/>
-            <a:chOff x="0" y="0"/>
-            <a:chExt cx="101764" cy="712944"/>
-          </a:xfrm>
-        </p:grpSpPr>
-        <p:sp>
-          <p:nvSpPr>
-            <p:cNvPr name="Freeform 9" id="9"/>
             <p:cNvSpPr/>
             <p:nvPr/>
           </p:nvSpPr>
@@ -5411,7 +5222,7 @@
         </p:sp>
         <p:sp>
           <p:nvSpPr>
-            <p:cNvPr name="TextBox 10" id="10"/>
+            <p:cNvPr name="TextBox 4" id="4"/>
             <p:cNvSpPr txBox="true"/>
             <p:nvPr/>
           </p:nvSpPr>
@@ -5437,398 +5248,30 @@
           </p:txBody>
         </p:sp>
       </p:grpSp>
-      <p:sp>
-        <p:nvSpPr>
-          <p:cNvPr name="Freeform 11" id="11"/>
-          <p:cNvSpPr/>
-          <p:nvPr/>
-        </p:nvSpPr>
-        <p:spPr>
-          <a:xfrm flipH="false" flipV="false" rot="0">
-            <a:off x="14802135" y="341167"/>
-            <a:ext cx="346366" cy="346366"/>
-          </a:xfrm>
-          <a:custGeom>
-            <a:avLst/>
-            <a:gdLst/>
-            <a:ahLst/>
-            <a:cxnLst/>
-            <a:rect r="r" b="b" t="t" l="l"/>
-            <a:pathLst>
-              <a:path h="346366" w="346366">
-                <a:moveTo>
-                  <a:pt x="0" y="0"/>
-                </a:moveTo>
-                <a:lnTo>
-                  <a:pt x="346366" y="0"/>
-                </a:lnTo>
-                <a:lnTo>
-                  <a:pt x="346366" y="346366"/>
-                </a:lnTo>
-                <a:lnTo>
-                  <a:pt x="0" y="346366"/>
-                </a:lnTo>
-                <a:lnTo>
-                  <a:pt x="0" y="0"/>
-                </a:lnTo>
-                <a:close/>
-              </a:path>
-            </a:pathLst>
-          </a:custGeom>
-          <a:blipFill>
-            <a:blip r:embed="rId2">
-              <a:extLst>
-                <a:ext uri="{96DAC541-7B7A-43D3-8B79-37D633B846F1}">
-                  <asvg:svgBlip xmlns:asvg="http://schemas.microsoft.com/office/drawing/2016/SVG/main" r:embed="rId3"/>
-                </a:ext>
-              </a:extLst>
-            </a:blip>
-            <a:stretch>
-              <a:fillRect l="0" t="0" r="0" b="0"/>
-            </a:stretch>
-          </a:blipFill>
-        </p:spPr>
-      </p:sp>
-      <p:sp>
-        <p:nvSpPr>
-          <p:cNvPr name="Freeform 12" id="12"/>
-          <p:cNvSpPr/>
-          <p:nvPr/>
-        </p:nvSpPr>
-        <p:spPr>
-          <a:xfrm flipH="false" flipV="false" rot="0">
-            <a:off x="1439201" y="259697"/>
-            <a:ext cx="410224" cy="509307"/>
-          </a:xfrm>
-          <a:custGeom>
-            <a:avLst/>
-            <a:gdLst/>
-            <a:ahLst/>
-            <a:cxnLst/>
-            <a:rect r="r" b="b" t="t" l="l"/>
-            <a:pathLst>
-              <a:path h="509307" w="410224">
-                <a:moveTo>
-                  <a:pt x="0" y="0"/>
-                </a:moveTo>
-                <a:lnTo>
-                  <a:pt x="410224" y="0"/>
-                </a:lnTo>
-                <a:lnTo>
-                  <a:pt x="410224" y="509306"/>
-                </a:lnTo>
-                <a:lnTo>
-                  <a:pt x="0" y="509306"/>
-                </a:lnTo>
-                <a:lnTo>
-                  <a:pt x="0" y="0"/>
-                </a:lnTo>
-                <a:close/>
-              </a:path>
-            </a:pathLst>
-          </a:custGeom>
-          <a:blipFill>
-            <a:blip r:embed="rId4">
-              <a:extLst>
-                <a:ext uri="{96DAC541-7B7A-43D3-8B79-37D633B846F1}">
-                  <asvg:svgBlip xmlns:asvg="http://schemas.microsoft.com/office/drawing/2016/SVG/main" r:embed="rId5"/>
-                </a:ext>
-              </a:extLst>
-            </a:blip>
-            <a:stretch>
-              <a:fillRect l="0" t="0" r="0" b="0"/>
-            </a:stretch>
-          </a:blipFill>
-        </p:spPr>
-      </p:sp>
-      <p:sp>
-        <p:nvSpPr>
-          <p:cNvPr name="TextBox 13" id="13"/>
-          <p:cNvSpPr txBox="true"/>
-          <p:nvPr/>
-        </p:nvSpPr>
-        <p:spPr>
-          <a:xfrm rot="0">
-            <a:off x="15369740" y="368020"/>
-            <a:ext cx="1521021" cy="264086"/>
-          </a:xfrm>
-          <a:prstGeom prst="rect">
-            <a:avLst/>
-          </a:prstGeom>
-        </p:spPr>
-        <p:txBody>
-          <a:bodyPr anchor="t" rtlCol="false" tIns="0" lIns="0" bIns="0" rIns="0">
-            <a:spAutoFit/>
-          </a:bodyPr>
-          <a:lstStyle/>
-          <a:p>
-            <a:pPr algn="l">
-              <a:lnSpc>
-                <a:spcPts val="2239"/>
-              </a:lnSpc>
-              <a:spcBef>
-                <a:spcPct val="0"/>
-              </a:spcBef>
-            </a:pPr>
-            <a:r>
-              <a:rPr lang="en-US" sz="1599">
-                <a:solidFill>
-                  <a:srgbClr val="FFFFFF"/>
-                </a:solidFill>
-                <a:latin typeface="Open Sans"/>
-                <a:ea typeface="Open Sans"/>
-                <a:cs typeface="Open Sans"/>
-                <a:sym typeface="Open Sans"/>
-              </a:rPr>
-              <a:t>Search . . . .</a:t>
-            </a:r>
-          </a:p>
-        </p:txBody>
-      </p:sp>
-      <p:sp>
-        <p:nvSpPr>
-          <p:cNvPr name="TextBox 14" id="14"/>
-          <p:cNvSpPr txBox="true"/>
-          <p:nvPr/>
-        </p:nvSpPr>
-        <p:spPr>
-          <a:xfrm rot="0">
-            <a:off x="2131463" y="368020"/>
-            <a:ext cx="1696360" cy="264086"/>
-          </a:xfrm>
-          <a:prstGeom prst="rect">
-            <a:avLst/>
-          </a:prstGeom>
-        </p:spPr>
-        <p:txBody>
-          <a:bodyPr anchor="t" rtlCol="false" tIns="0" lIns="0" bIns="0" rIns="0">
-            <a:spAutoFit/>
-          </a:bodyPr>
-          <a:lstStyle/>
-          <a:p>
-            <a:pPr algn="l">
-              <a:lnSpc>
-                <a:spcPts val="2239"/>
-              </a:lnSpc>
-              <a:spcBef>
-                <a:spcPct val="0"/>
-              </a:spcBef>
-            </a:pPr>
-            <a:r>
-              <a:rPr lang="en-US" sz="1599">
-                <a:solidFill>
-                  <a:srgbClr val="FFFFFF"/>
-                </a:solidFill>
-                <a:latin typeface="Open Sans"/>
-                <a:ea typeface="Open Sans"/>
-                <a:cs typeface="Open Sans"/>
-                <a:sym typeface="Open Sans"/>
-              </a:rPr>
-              <a:t>Wardiere Inc.</a:t>
-            </a:r>
-          </a:p>
-        </p:txBody>
-      </p:sp>
-      <p:sp>
-        <p:nvSpPr>
-          <p:cNvPr name="TextBox 15" id="15"/>
-          <p:cNvSpPr txBox="true"/>
-          <p:nvPr/>
-        </p:nvSpPr>
-        <p:spPr>
-          <a:xfrm rot="0">
-            <a:off x="12431666" y="368020"/>
-            <a:ext cx="978460" cy="264086"/>
-          </a:xfrm>
-          <a:prstGeom prst="rect">
-            <a:avLst/>
-          </a:prstGeom>
-        </p:spPr>
-        <p:txBody>
-          <a:bodyPr anchor="t" rtlCol="false" tIns="0" lIns="0" bIns="0" rIns="0">
-            <a:spAutoFit/>
-          </a:bodyPr>
-          <a:lstStyle/>
-          <a:p>
-            <a:pPr algn="l">
-              <a:lnSpc>
-                <a:spcPts val="2239"/>
-              </a:lnSpc>
-              <a:spcBef>
-                <a:spcPct val="0"/>
-              </a:spcBef>
-            </a:pPr>
-            <a:r>
-              <a:rPr lang="en-US" sz="1599">
-                <a:solidFill>
-                  <a:srgbClr val="FFFFFF"/>
-                </a:solidFill>
-                <a:latin typeface="Open Sans"/>
-                <a:ea typeface="Open Sans"/>
-                <a:cs typeface="Open Sans"/>
-                <a:sym typeface="Open Sans"/>
-              </a:rPr>
-              <a:t>Contact</a:t>
-            </a:r>
-          </a:p>
-        </p:txBody>
-      </p:sp>
-      <p:sp>
-        <p:nvSpPr>
-          <p:cNvPr name="TextBox 16" id="16"/>
-          <p:cNvSpPr txBox="true"/>
-          <p:nvPr/>
-        </p:nvSpPr>
-        <p:spPr>
-          <a:xfrm rot="0">
-            <a:off x="10742519" y="368020"/>
-            <a:ext cx="1060497" cy="264086"/>
-          </a:xfrm>
-          <a:prstGeom prst="rect">
-            <a:avLst/>
-          </a:prstGeom>
-        </p:spPr>
-        <p:txBody>
-          <a:bodyPr anchor="t" rtlCol="false" tIns="0" lIns="0" bIns="0" rIns="0">
-            <a:spAutoFit/>
-          </a:bodyPr>
-          <a:lstStyle/>
-          <a:p>
-            <a:pPr algn="l">
-              <a:lnSpc>
-                <a:spcPts val="2239"/>
-              </a:lnSpc>
-              <a:spcBef>
-                <a:spcPct val="0"/>
-              </a:spcBef>
-            </a:pPr>
-            <a:r>
-              <a:rPr lang="en-US" sz="1599">
-                <a:solidFill>
-                  <a:srgbClr val="FFFFFF"/>
-                </a:solidFill>
-                <a:latin typeface="Open Sans"/>
-                <a:ea typeface="Open Sans"/>
-                <a:cs typeface="Open Sans"/>
-                <a:sym typeface="Open Sans"/>
-              </a:rPr>
-              <a:t>About Us</a:t>
-            </a:r>
-          </a:p>
-        </p:txBody>
-      </p:sp>
-      <p:sp>
-        <p:nvSpPr>
-          <p:cNvPr name="TextBox 17" id="17"/>
-          <p:cNvSpPr txBox="true"/>
-          <p:nvPr/>
-        </p:nvSpPr>
-        <p:spPr>
-          <a:xfrm rot="0">
-            <a:off x="9264113" y="368020"/>
-            <a:ext cx="951705" cy="264086"/>
-          </a:xfrm>
-          <a:prstGeom prst="rect">
-            <a:avLst/>
-          </a:prstGeom>
-        </p:spPr>
-        <p:txBody>
-          <a:bodyPr anchor="t" rtlCol="false" tIns="0" lIns="0" bIns="0" rIns="0">
-            <a:spAutoFit/>
-          </a:bodyPr>
-          <a:lstStyle/>
-          <a:p>
-            <a:pPr algn="l">
-              <a:lnSpc>
-                <a:spcPts val="2239"/>
-              </a:lnSpc>
-              <a:spcBef>
-                <a:spcPct val="0"/>
-              </a:spcBef>
-            </a:pPr>
-            <a:r>
-              <a:rPr lang="en-US" sz="1599">
-                <a:solidFill>
-                  <a:srgbClr val="FFFFFF"/>
-                </a:solidFill>
-                <a:latin typeface="Open Sans"/>
-                <a:ea typeface="Open Sans"/>
-                <a:cs typeface="Open Sans"/>
-                <a:sym typeface="Open Sans"/>
-              </a:rPr>
-              <a:t>Service</a:t>
-            </a:r>
-          </a:p>
-        </p:txBody>
-      </p:sp>
-      <p:sp>
-        <p:nvSpPr>
-          <p:cNvPr name="TextBox 18" id="18"/>
-          <p:cNvSpPr txBox="true"/>
-          <p:nvPr/>
-        </p:nvSpPr>
-        <p:spPr>
-          <a:xfrm rot="0">
-            <a:off x="7817854" y="368020"/>
-            <a:ext cx="809760" cy="264086"/>
-          </a:xfrm>
-          <a:prstGeom prst="rect">
-            <a:avLst/>
-          </a:prstGeom>
-        </p:spPr>
-        <p:txBody>
-          <a:bodyPr anchor="t" rtlCol="false" tIns="0" lIns="0" bIns="0" rIns="0">
-            <a:spAutoFit/>
-          </a:bodyPr>
-          <a:lstStyle/>
-          <a:p>
-            <a:pPr algn="l">
-              <a:lnSpc>
-                <a:spcPts val="2239"/>
-              </a:lnSpc>
-              <a:spcBef>
-                <a:spcPct val="0"/>
-              </a:spcBef>
-            </a:pPr>
-            <a:r>
-              <a:rPr lang="en-US" sz="1599">
-                <a:solidFill>
-                  <a:srgbClr val="FFFFFF"/>
-                </a:solidFill>
-                <a:latin typeface="Open Sans"/>
-                <a:ea typeface="Open Sans"/>
-                <a:cs typeface="Open Sans"/>
-                <a:sym typeface="Open Sans"/>
-              </a:rPr>
-              <a:t>Home</a:t>
-            </a:r>
-          </a:p>
-        </p:txBody>
-      </p:sp>
       <p:grpSp>
         <p:nvGrpSpPr>
-          <p:cNvPr name="Group 19" id="19"/>
+          <p:cNvPr name="Group 5" id="5"/>
           <p:cNvGrpSpPr/>
           <p:nvPr/>
         </p:nvGrpSpPr>
         <p:grpSpPr>
           <a:xfrm rot="0">
-            <a:off x="9144000" y="5941950"/>
-            <a:ext cx="8115300" cy="4345050"/>
+            <a:off x="9144000" y="5301140"/>
+            <a:ext cx="8930310" cy="4781418"/>
             <a:chOff x="0" y="0"/>
-            <a:chExt cx="10820400" cy="5793400"/>
+            <a:chExt cx="11907079" cy="6375225"/>
           </a:xfrm>
         </p:grpSpPr>
         <p:pic>
           <p:nvPicPr>
-            <p:cNvPr name="Picture 20" id="20"/>
+            <p:cNvPr name="Picture 6" id="6"/>
             <p:cNvPicPr>
               <a:picLocks noChangeAspect="true"/>
             </p:cNvPicPr>
             <p:nvPr/>
           </p:nvPicPr>
           <p:blipFill>
-            <a:blip r:embed="rId6"/>
+            <a:blip r:embed="rId2"/>
             <a:srcRect l="0" t="9868" r="0" b="9868"/>
             <a:stretch>
               <a:fillRect/>
@@ -5837,7 +5280,7 @@
           <p:spPr>
             <a:xfrm flipH="false" flipV="false">
               <a:off x="0" y="0"/>
-              <a:ext cx="10820400" cy="5793400"/>
+              <a:ext cx="11907079" cy="6375225"/>
             </a:xfrm>
             <a:prstGeom prst="rect">
               <a:avLst/>
@@ -5847,28 +5290,28 @@
       </p:grpSp>
       <p:grpSp>
         <p:nvGrpSpPr>
-          <p:cNvPr name="Group 21" id="21"/>
+          <p:cNvPr name="Group 7" id="7"/>
           <p:cNvGrpSpPr/>
           <p:nvPr/>
         </p:nvGrpSpPr>
         <p:grpSpPr>
           <a:xfrm rot="0">
-            <a:off x="9144000" y="1310393"/>
-            <a:ext cx="8115300" cy="4345050"/>
+            <a:off x="9144000" y="204442"/>
+            <a:ext cx="8930310" cy="4781418"/>
             <a:chOff x="0" y="0"/>
-            <a:chExt cx="10820400" cy="5793400"/>
+            <a:chExt cx="11907079" cy="6375225"/>
           </a:xfrm>
         </p:grpSpPr>
         <p:pic>
           <p:nvPicPr>
-            <p:cNvPr name="Picture 22" id="22"/>
+            <p:cNvPr name="Picture 8" id="8"/>
             <p:cNvPicPr>
               <a:picLocks noChangeAspect="true"/>
             </p:cNvPicPr>
             <p:nvPr/>
           </p:nvPicPr>
           <p:blipFill>
-            <a:blip r:embed="rId7"/>
+            <a:blip r:embed="rId3"/>
             <a:srcRect l="0" t="9894" r="0" b="9894"/>
             <a:stretch>
               <a:fillRect/>
@@ -5877,7 +5320,7 @@
           <p:spPr>
             <a:xfrm flipH="false" flipV="false">
               <a:off x="0" y="0"/>
-              <a:ext cx="10820400" cy="5793400"/>
+              <a:ext cx="11907079" cy="6375225"/>
             </a:xfrm>
             <a:prstGeom prst="rect">
               <a:avLst/>
@@ -5887,14 +5330,14 @@
       </p:grpSp>
       <p:sp>
         <p:nvSpPr>
-          <p:cNvPr name="TextBox 23" id="23"/>
+          <p:cNvPr name="TextBox 9" id="9"/>
           <p:cNvSpPr txBox="true"/>
           <p:nvPr/>
         </p:nvSpPr>
         <p:spPr>
           <a:xfrm rot="0">
-            <a:off x="2131463" y="2368432"/>
-            <a:ext cx="4082589" cy="950595"/>
+            <a:off x="1391161" y="2013098"/>
+            <a:ext cx="4492598" cy="1040363"/>
           </a:xfrm>
           <a:prstGeom prst="rect">
             <a:avLst/>
@@ -5908,11 +5351,11 @@
           <a:p>
             <a:pPr algn="l">
               <a:lnSpc>
-                <a:spcPts val="7215"/>
+                <a:spcPts val="7939"/>
               </a:lnSpc>
             </a:pPr>
             <a:r>
-              <a:rPr lang="en-US" sz="6500">
+              <a:rPr lang="en-US" sz="7152">
                 <a:solidFill>
                   <a:srgbClr val="0CC2E6"/>
                 </a:solidFill>
@@ -5928,21 +5371,21 @@
       </p:sp>
       <p:grpSp>
         <p:nvGrpSpPr>
-          <p:cNvPr name="Group 24" id="24"/>
+          <p:cNvPr name="Group 10" id="10"/>
           <p:cNvGrpSpPr/>
           <p:nvPr/>
         </p:nvGrpSpPr>
         <p:grpSpPr>
           <a:xfrm rot="0">
-            <a:off x="1155678" y="4194321"/>
-            <a:ext cx="1782910" cy="807124"/>
+            <a:off x="317379" y="3325891"/>
+            <a:ext cx="1961965" cy="888183"/>
             <a:chOff x="0" y="0"/>
             <a:chExt cx="1795447" cy="812800"/>
           </a:xfrm>
         </p:grpSpPr>
         <p:sp>
           <p:nvSpPr>
-            <p:cNvPr name="Freeform 25" id="25"/>
+            <p:cNvPr name="Freeform 11" id="11"/>
             <p:cNvSpPr/>
             <p:nvPr/>
           </p:nvSpPr>
@@ -5999,7 +5442,7 @@
         </p:sp>
         <p:sp>
           <p:nvSpPr>
-            <p:cNvPr name="TextBox 26" id="26"/>
+            <p:cNvPr name="TextBox 12" id="12"/>
             <p:cNvSpPr txBox="true"/>
             <p:nvPr/>
           </p:nvSpPr>
@@ -6027,14 +5470,14 @@
       </p:grpSp>
       <p:sp>
         <p:nvSpPr>
-          <p:cNvPr name="TextBox 27" id="27"/>
+          <p:cNvPr name="TextBox 13" id="13"/>
           <p:cNvSpPr txBox="true"/>
           <p:nvPr/>
         </p:nvSpPr>
         <p:spPr>
           <a:xfrm rot="0">
-            <a:off x="1361188" y="4198089"/>
-            <a:ext cx="1371889" cy="761488"/>
+            <a:off x="543528" y="3333864"/>
+            <a:ext cx="1509666" cy="834137"/>
           </a:xfrm>
           <a:prstGeom prst="rect">
             <a:avLst/>
@@ -6048,14 +5491,14 @@
           <a:p>
             <a:pPr algn="ctr">
               <a:lnSpc>
-                <a:spcPts val="3096"/>
+                <a:spcPts val="3407"/>
               </a:lnSpc>
               <a:spcBef>
                 <a:spcPct val="0"/>
               </a:spcBef>
             </a:pPr>
             <a:r>
-              <a:rPr lang="en-US" sz="2212">
+              <a:rPr lang="en-US" sz="2434">
                 <a:solidFill>
                   <a:srgbClr val="FFFFFF"/>
                 </a:solidFill>
@@ -6071,14 +5514,14 @@
       </p:sp>
       <p:sp>
         <p:nvSpPr>
-          <p:cNvPr name="TextBox 28" id="28"/>
+          <p:cNvPr name="TextBox 14" id="14"/>
           <p:cNvSpPr txBox="true"/>
           <p:nvPr/>
         </p:nvSpPr>
         <p:spPr>
           <a:xfrm rot="0">
-            <a:off x="3342311" y="4175271"/>
-            <a:ext cx="4170207" cy="1455420"/>
+            <a:off x="2723613" y="3015361"/>
+            <a:ext cx="5790090" cy="2032416"/>
           </a:xfrm>
           <a:prstGeom prst="rect">
             <a:avLst/>
@@ -6090,15 +5533,15 @@
           </a:bodyPr>
           <a:lstStyle/>
           <a:p>
-            <a:pPr algn="l" marL="259082" indent="-129541" lvl="1">
+            <a:pPr algn="l" marL="359720" indent="-179860" lvl="1">
               <a:lnSpc>
-                <a:spcPts val="1680"/>
+                <a:spcPts val="2332"/>
               </a:lnSpc>
               <a:buFont typeface="Arial"/>
               <a:buChar char="•"/>
             </a:pPr>
             <a:r>
-              <a:rPr lang="en-US" sz="1200">
+              <a:rPr lang="en-US" sz="1666">
                 <a:solidFill>
                   <a:srgbClr val="FFFFFF"/>
                 </a:solidFill>
@@ -6111,15 +5554,15 @@
             </a:r>
           </a:p>
           <a:p>
-            <a:pPr algn="l" marL="259082" indent="-129541" lvl="1">
+            <a:pPr algn="l" marL="359720" indent="-179860" lvl="1">
               <a:lnSpc>
-                <a:spcPts val="1680"/>
+                <a:spcPts val="2332"/>
               </a:lnSpc>
               <a:buFont typeface="Arial"/>
               <a:buChar char="•"/>
             </a:pPr>
             <a:r>
-              <a:rPr lang="en-US" sz="1200">
+              <a:rPr lang="en-US" sz="1666">
                 <a:solidFill>
                   <a:srgbClr val="FFFFFF"/>
                 </a:solidFill>
@@ -6132,15 +5575,15 @@
             </a:r>
           </a:p>
           <a:p>
-            <a:pPr algn="l" marL="259082" indent="-129541" lvl="1">
+            <a:pPr algn="l" marL="359720" indent="-179860" lvl="1">
               <a:lnSpc>
-                <a:spcPts val="1680"/>
+                <a:spcPts val="2332"/>
               </a:lnSpc>
               <a:buFont typeface="Arial"/>
               <a:buChar char="•"/>
             </a:pPr>
             <a:r>
-              <a:rPr lang="en-US" sz="1200">
+              <a:rPr lang="en-US" sz="1666">
                 <a:solidFill>
                   <a:srgbClr val="FFFFFF"/>
                 </a:solidFill>
@@ -6155,7 +5598,7 @@
           <a:p>
             <a:pPr algn="l">
               <a:lnSpc>
-                <a:spcPts val="1680"/>
+                <a:spcPts val="2332"/>
               </a:lnSpc>
               <a:spcBef>
                 <a:spcPct val="0"/>
@@ -6166,21 +5609,21 @@
       </p:sp>
       <p:grpSp>
         <p:nvGrpSpPr>
-          <p:cNvPr name="Group 29" id="29"/>
+          <p:cNvPr name="Group 15" id="15"/>
           <p:cNvGrpSpPr/>
           <p:nvPr/>
         </p:nvGrpSpPr>
         <p:grpSpPr>
           <a:xfrm rot="0">
-            <a:off x="1155678" y="6521340"/>
-            <a:ext cx="1782910" cy="807124"/>
+            <a:off x="317379" y="6428022"/>
+            <a:ext cx="1961965" cy="888183"/>
             <a:chOff x="0" y="0"/>
             <a:chExt cx="1795447" cy="812800"/>
           </a:xfrm>
         </p:grpSpPr>
         <p:sp>
           <p:nvSpPr>
-            <p:cNvPr name="Freeform 30" id="30"/>
+            <p:cNvPr name="Freeform 16" id="16"/>
             <p:cNvSpPr/>
             <p:nvPr/>
           </p:nvSpPr>
@@ -6237,7 +5680,7 @@
         </p:sp>
         <p:sp>
           <p:nvSpPr>
-            <p:cNvPr name="TextBox 31" id="31"/>
+            <p:cNvPr name="TextBox 17" id="17"/>
             <p:cNvSpPr txBox="true"/>
             <p:nvPr/>
           </p:nvSpPr>
@@ -6265,14 +5708,14 @@
       </p:grpSp>
       <p:sp>
         <p:nvSpPr>
-          <p:cNvPr name="TextBox 32" id="32"/>
+          <p:cNvPr name="TextBox 18" id="18"/>
           <p:cNvSpPr txBox="true"/>
           <p:nvPr/>
         </p:nvSpPr>
         <p:spPr>
           <a:xfrm rot="0">
-            <a:off x="1439201" y="6525108"/>
-            <a:ext cx="1371889" cy="761488"/>
+            <a:off x="629377" y="6435996"/>
+            <a:ext cx="1509666" cy="834137"/>
           </a:xfrm>
           <a:prstGeom prst="rect">
             <a:avLst/>
@@ -6286,14 +5729,14 @@
           <a:p>
             <a:pPr algn="ctr">
               <a:lnSpc>
-                <a:spcPts val="3096"/>
+                <a:spcPts val="3407"/>
               </a:lnSpc>
               <a:spcBef>
                 <a:spcPct val="0"/>
               </a:spcBef>
             </a:pPr>
             <a:r>
-              <a:rPr lang="en-US" sz="2212">
+              <a:rPr lang="en-US" sz="2434">
                 <a:solidFill>
                   <a:srgbClr val="FFFFFF"/>
                 </a:solidFill>
@@ -6309,14 +5752,14 @@
       </p:sp>
       <p:sp>
         <p:nvSpPr>
-          <p:cNvPr name="TextBox 33" id="33"/>
+          <p:cNvPr name="TextBox 19" id="19"/>
           <p:cNvSpPr txBox="true"/>
           <p:nvPr/>
         </p:nvSpPr>
         <p:spPr>
           <a:xfrm rot="0">
-            <a:off x="3342311" y="6502290"/>
-            <a:ext cx="4170207" cy="1036320"/>
+            <a:off x="2723613" y="6246291"/>
+            <a:ext cx="5790090" cy="1450520"/>
           </a:xfrm>
           <a:prstGeom prst="rect">
             <a:avLst/>
@@ -6328,15 +5771,15 @@
           </a:bodyPr>
           <a:lstStyle/>
           <a:p>
-            <a:pPr algn="l" marL="259082" indent="-129541" lvl="1">
+            <a:pPr algn="l" marL="359720" indent="-179860" lvl="1">
               <a:lnSpc>
-                <a:spcPts val="1680"/>
+                <a:spcPts val="2332"/>
               </a:lnSpc>
               <a:buFont typeface="Arial"/>
               <a:buChar char="•"/>
             </a:pPr>
             <a:r>
-              <a:rPr lang="en-US" sz="1200">
+              <a:rPr lang="en-US" sz="1666">
                 <a:solidFill>
                   <a:srgbClr val="FFFFFF"/>
                 </a:solidFill>
@@ -6349,15 +5792,15 @@
             </a:r>
           </a:p>
           <a:p>
-            <a:pPr algn="l" marL="259082" indent="-129541" lvl="1">
+            <a:pPr algn="l" marL="359720" indent="-179860" lvl="1">
               <a:lnSpc>
-                <a:spcPts val="1680"/>
+                <a:spcPts val="2332"/>
               </a:lnSpc>
               <a:buFont typeface="Arial"/>
               <a:buChar char="•"/>
             </a:pPr>
             <a:r>
-              <a:rPr lang="en-US" sz="1200">
+              <a:rPr lang="en-US" sz="1666">
                 <a:solidFill>
                   <a:srgbClr val="FFFFFF"/>
                 </a:solidFill>
@@ -6370,15 +5813,15 @@
             </a:r>
           </a:p>
           <a:p>
-            <a:pPr algn="l" marL="259082" indent="-129541" lvl="1">
+            <a:pPr algn="l" marL="359720" indent="-179860" lvl="1">
               <a:lnSpc>
-                <a:spcPts val="1680"/>
+                <a:spcPts val="2332"/>
               </a:lnSpc>
               <a:buFont typeface="Arial"/>
               <a:buChar char="•"/>
             </a:pPr>
             <a:r>
-              <a:rPr lang="en-US" sz="1200">
+              <a:rPr lang="en-US" sz="1666">
                 <a:solidFill>
                   <a:srgbClr val="FFFFFF"/>
                 </a:solidFill>
@@ -6393,7 +5836,7 @@
           <a:p>
             <a:pPr algn="l">
               <a:lnSpc>
-                <a:spcPts val="1680"/>
+                <a:spcPts val="2332"/>
               </a:lnSpc>
               <a:spcBef>
                 <a:spcPct val="0"/>
